--- a/doc/string_course_day4.pptx
+++ b/doc/string_course_day4.pptx
@@ -19,6 +19,7 @@
     <p:sldId id="264" r:id="rId16"/>
     <p:sldId id="265" r:id="rId17"/>
     <p:sldId id="266" r:id="rId18"/>
+    <p:sldId id="267" r:id="rId19"/>
   </p:sldIdLst>
   <p:sldSz cx="13004800" cy="9753600"/>
   <p:notesSz cx="6858000" cy="9144000"/>
@@ -493,7 +494,7 @@
       </p:grpSpPr>
       <p:sp>
         <p:nvSpPr>
-          <p:cNvPr id="11" name="Shape 11"/>
+          <p:cNvPr id="11" name="タイトルテキスト"/>
           <p:cNvSpPr/>
           <p:nvPr>
             <p:ph type="title"/>
@@ -521,7 +522,7 @@
       </p:sp>
       <p:sp>
         <p:nvSpPr>
-          <p:cNvPr id="12" name="Shape 12"/>
+          <p:cNvPr id="12" name="本文レベル1…"/>
           <p:cNvSpPr/>
           <p:nvPr>
             <p:ph type="body" sz="quarter" idx="1"/>
@@ -627,14 +628,14 @@
           <a:p>
             <a:pPr lvl="4"/>
             <a:r>
-              <a:t>本文レベル 5</a:t>
+              <a:t>本文レベル5</a:t>
             </a:r>
           </a:p>
         </p:txBody>
       </p:sp>
       <p:sp>
         <p:nvSpPr>
-          <p:cNvPr id="13" name="Shape 13"/>
+          <p:cNvPr id="13" name="スライド番号"/>
           <p:cNvSpPr/>
           <p:nvPr>
             <p:ph type="sldNum" sz="quarter" idx="2"/>
@@ -682,7 +683,7 @@
       </p:grpSpPr>
       <p:sp>
         <p:nvSpPr>
-          <p:cNvPr id="93" name="Shape 93"/>
+          <p:cNvPr id="93" name="–Johnny Appleseed"/>
           <p:cNvSpPr/>
           <p:nvPr>
             <p:ph type="body" sz="quarter" idx="13"/>
@@ -712,10 +713,10 @@
                 <a:solidFill>
                   <a:srgbClr val="000000"/>
                 </a:solidFill>
-                <a:latin typeface="Helvetica Light"/>
-                <a:ea typeface="Helvetica Light"/>
-                <a:cs typeface="Helvetica Light"/>
-                <a:sym typeface="Helvetica Light"/>
+                <a:latin typeface="Helvetica"/>
+                <a:ea typeface="Helvetica"/>
+                <a:cs typeface="Helvetica"/>
+                <a:sym typeface="Helvetica"/>
               </a:defRPr>
             </a:lvl1pPr>
           </a:lstStyle>
@@ -729,7 +730,7 @@
       </p:sp>
       <p:sp>
         <p:nvSpPr>
-          <p:cNvPr id="94" name="Shape 94"/>
+          <p:cNvPr id="94" name="“ここに引用を入力してください。”"/>
           <p:cNvSpPr/>
           <p:nvPr>
             <p:ph type="body" sz="quarter" idx="14"/>
@@ -772,7 +773,7 @@
       </p:sp>
       <p:sp>
         <p:nvSpPr>
-          <p:cNvPr id="95" name="Shape 95"/>
+          <p:cNvPr id="95" name="スライド番号"/>
           <p:cNvSpPr/>
           <p:nvPr>
             <p:ph type="sldNum" sz="quarter" idx="2"/>
@@ -820,7 +821,7 @@
       </p:grpSpPr>
       <p:sp>
         <p:nvSpPr>
-          <p:cNvPr id="102" name="Shape 102"/>
+          <p:cNvPr id="102" name="イメージ"/>
           <p:cNvSpPr/>
           <p:nvPr>
             <p:ph type="pic" idx="13"/>
@@ -847,7 +848,7 @@
       </p:sp>
       <p:sp>
         <p:nvSpPr>
-          <p:cNvPr id="103" name="Shape 103"/>
+          <p:cNvPr id="103" name="スライド番号"/>
           <p:cNvSpPr/>
           <p:nvPr>
             <p:ph type="sldNum" sz="quarter" idx="2"/>
@@ -895,7 +896,7 @@
       </p:grpSpPr>
       <p:sp>
         <p:nvSpPr>
-          <p:cNvPr id="110" name="Shape 110"/>
+          <p:cNvPr id="110" name="スライド番号"/>
           <p:cNvSpPr/>
           <p:nvPr>
             <p:ph type="sldNum" sz="quarter" idx="2"/>
@@ -943,7 +944,7 @@
       </p:grpSpPr>
       <p:sp>
         <p:nvSpPr>
-          <p:cNvPr id="20" name="Shape 20"/>
+          <p:cNvPr id="20" name="イメージ"/>
           <p:cNvSpPr/>
           <p:nvPr>
             <p:ph type="pic" idx="13"/>
@@ -970,7 +971,7 @@
       </p:sp>
       <p:sp>
         <p:nvSpPr>
-          <p:cNvPr id="21" name="Shape 21"/>
+          <p:cNvPr id="21" name="タイトルテキスト"/>
           <p:cNvSpPr/>
           <p:nvPr>
             <p:ph type="title"/>
@@ -998,7 +999,7 @@
       </p:sp>
       <p:sp>
         <p:nvSpPr>
-          <p:cNvPr id="22" name="Shape 22"/>
+          <p:cNvPr id="22" name="本文レベル1…"/>
           <p:cNvSpPr/>
           <p:nvPr>
             <p:ph type="body" sz="quarter" idx="1"/>
@@ -1104,14 +1105,14 @@
           <a:p>
             <a:pPr lvl="4"/>
             <a:r>
-              <a:t>本文レベル 5</a:t>
+              <a:t>本文レベル5</a:t>
             </a:r>
           </a:p>
         </p:txBody>
       </p:sp>
       <p:sp>
         <p:nvSpPr>
-          <p:cNvPr id="23" name="Shape 23"/>
+          <p:cNvPr id="23" name="スライド番号"/>
           <p:cNvSpPr/>
           <p:nvPr>
             <p:ph type="sldNum" sz="quarter" idx="2"/>
@@ -1163,7 +1164,7 @@
       </p:grpSpPr>
       <p:sp>
         <p:nvSpPr>
-          <p:cNvPr id="30" name="Shape 30"/>
+          <p:cNvPr id="30" name="タイトルテキスト"/>
           <p:cNvSpPr/>
           <p:nvPr>
             <p:ph type="title"/>
@@ -1191,7 +1192,7 @@
       </p:sp>
       <p:sp>
         <p:nvSpPr>
-          <p:cNvPr id="31" name="Shape 31"/>
+          <p:cNvPr id="31" name="スライド番号"/>
           <p:cNvSpPr/>
           <p:nvPr>
             <p:ph type="sldNum" sz="quarter" idx="2"/>
@@ -1239,7 +1240,7 @@
       </p:grpSpPr>
       <p:sp>
         <p:nvSpPr>
-          <p:cNvPr id="38" name="Shape 38"/>
+          <p:cNvPr id="38" name="イメージ"/>
           <p:cNvSpPr/>
           <p:nvPr>
             <p:ph type="pic" sz="half" idx="13"/>
@@ -1266,7 +1267,7 @@
       </p:sp>
       <p:sp>
         <p:nvSpPr>
-          <p:cNvPr id="39" name="Shape 39"/>
+          <p:cNvPr id="39" name="タイトルテキスト"/>
           <p:cNvSpPr/>
           <p:nvPr>
             <p:ph type="title"/>
@@ -1298,7 +1299,7 @@
       </p:sp>
       <p:sp>
         <p:nvSpPr>
-          <p:cNvPr id="40" name="Shape 40"/>
+          <p:cNvPr id="40" name="本文レベル1…"/>
           <p:cNvSpPr/>
           <p:nvPr>
             <p:ph type="body" sz="quarter" idx="1"/>
@@ -1404,14 +1405,14 @@
           <a:p>
             <a:pPr lvl="4"/>
             <a:r>
-              <a:t>本文レベル 5</a:t>
+              <a:t>本文レベル5</a:t>
             </a:r>
           </a:p>
         </p:txBody>
       </p:sp>
       <p:sp>
         <p:nvSpPr>
-          <p:cNvPr id="41" name="Shape 41"/>
+          <p:cNvPr id="41" name="スライド番号"/>
           <p:cNvSpPr/>
           <p:nvPr>
             <p:ph type="sldNum" sz="quarter" idx="2"/>
@@ -1459,7 +1460,7 @@
       </p:grpSpPr>
       <p:sp>
         <p:nvSpPr>
-          <p:cNvPr id="48" name="Shape 48"/>
+          <p:cNvPr id="48" name="タイトルテキスト"/>
           <p:cNvSpPr/>
           <p:nvPr>
             <p:ph type="title"/>
@@ -1483,7 +1484,7 @@
       </p:sp>
       <p:sp>
         <p:nvSpPr>
-          <p:cNvPr id="49" name="Shape 49"/>
+          <p:cNvPr id="49" name="スライド番号"/>
           <p:cNvSpPr/>
           <p:nvPr>
             <p:ph type="sldNum" sz="quarter" idx="2"/>
@@ -1531,7 +1532,7 @@
       </p:grpSpPr>
       <p:sp>
         <p:nvSpPr>
-          <p:cNvPr id="56" name="Shape 56"/>
+          <p:cNvPr id="56" name="タイトルテキスト"/>
           <p:cNvSpPr/>
           <p:nvPr>
             <p:ph type="title"/>
@@ -1555,7 +1556,7 @@
       </p:sp>
       <p:sp>
         <p:nvSpPr>
-          <p:cNvPr id="57" name="Shape 57"/>
+          <p:cNvPr id="57" name="本文レベル1…"/>
           <p:cNvSpPr/>
           <p:nvPr>
             <p:ph type="body" idx="1"/>
@@ -1596,14 +1597,14 @@
           <a:p>
             <a:pPr lvl="4"/>
             <a:r>
-              <a:t>本文レベル 5</a:t>
+              <a:t>本文レベル5</a:t>
             </a:r>
           </a:p>
         </p:txBody>
       </p:sp>
       <p:sp>
         <p:nvSpPr>
-          <p:cNvPr id="58" name="Shape 58"/>
+          <p:cNvPr id="58" name="スライド番号"/>
           <p:cNvSpPr/>
           <p:nvPr>
             <p:ph type="sldNum" sz="quarter" idx="2"/>
@@ -1651,7 +1652,7 @@
       </p:grpSpPr>
       <p:sp>
         <p:nvSpPr>
-          <p:cNvPr id="65" name="Shape 65"/>
+          <p:cNvPr id="65" name="イメージ"/>
           <p:cNvSpPr/>
           <p:nvPr>
             <p:ph type="pic" sz="half" idx="13"/>
@@ -1678,7 +1679,7 @@
       </p:sp>
       <p:sp>
         <p:nvSpPr>
-          <p:cNvPr id="66" name="Shape 66"/>
+          <p:cNvPr id="66" name="タイトルテキスト"/>
           <p:cNvSpPr/>
           <p:nvPr>
             <p:ph type="title"/>
@@ -1702,7 +1703,7 @@
       </p:sp>
       <p:sp>
         <p:nvSpPr>
-          <p:cNvPr id="67" name="Shape 67"/>
+          <p:cNvPr id="67" name="本文レベル1…"/>
           <p:cNvSpPr/>
           <p:nvPr>
             <p:ph type="body" sz="half" idx="1"/>
@@ -1798,14 +1799,14 @@
           <a:p>
             <a:pPr lvl="4"/>
             <a:r>
-              <a:t>本文レベル 5</a:t>
+              <a:t>本文レベル5</a:t>
             </a:r>
           </a:p>
         </p:txBody>
       </p:sp>
       <p:sp>
         <p:nvSpPr>
-          <p:cNvPr id="68" name="Shape 68"/>
+          <p:cNvPr id="68" name="スライド番号"/>
           <p:cNvSpPr/>
           <p:nvPr>
             <p:ph type="sldNum" sz="quarter" idx="2"/>
@@ -1853,7 +1854,7 @@
       </p:grpSpPr>
       <p:sp>
         <p:nvSpPr>
-          <p:cNvPr id="75" name="Shape 75"/>
+          <p:cNvPr id="75" name="本文レベル1…"/>
           <p:cNvSpPr/>
           <p:nvPr>
             <p:ph type="body" idx="1"/>
@@ -1898,14 +1899,14 @@
           <a:p>
             <a:pPr lvl="4"/>
             <a:r>
-              <a:t>本文レベル 5</a:t>
+              <a:t>本文レベル5</a:t>
             </a:r>
           </a:p>
         </p:txBody>
       </p:sp>
       <p:sp>
         <p:nvSpPr>
-          <p:cNvPr id="76" name="Shape 76"/>
+          <p:cNvPr id="76" name="スライド番号"/>
           <p:cNvSpPr/>
           <p:nvPr>
             <p:ph type="sldNum" sz="quarter" idx="2"/>
@@ -1953,7 +1954,7 @@
       </p:grpSpPr>
       <p:sp>
         <p:nvSpPr>
-          <p:cNvPr id="83" name="Shape 83"/>
+          <p:cNvPr id="83" name="イメージ"/>
           <p:cNvSpPr/>
           <p:nvPr>
             <p:ph type="pic" sz="quarter" idx="13"/>
@@ -1980,7 +1981,7 @@
       </p:sp>
       <p:sp>
         <p:nvSpPr>
-          <p:cNvPr id="84" name="Shape 84"/>
+          <p:cNvPr id="84" name="イメージ"/>
           <p:cNvSpPr/>
           <p:nvPr>
             <p:ph type="pic" sz="quarter" idx="14"/>
@@ -2007,7 +2008,7 @@
       </p:sp>
       <p:sp>
         <p:nvSpPr>
-          <p:cNvPr id="85" name="Shape 85"/>
+          <p:cNvPr id="85" name="イメージ"/>
           <p:cNvSpPr/>
           <p:nvPr>
             <p:ph type="pic" sz="half" idx="15"/>
@@ -2034,7 +2035,7 @@
       </p:sp>
       <p:sp>
         <p:nvSpPr>
-          <p:cNvPr id="86" name="Shape 86"/>
+          <p:cNvPr id="86" name="スライド番号"/>
           <p:cNvSpPr/>
           <p:nvPr>
             <p:ph type="sldNum" sz="quarter" idx="2"/>
@@ -2089,7 +2090,7 @@
       </p:grpSpPr>
       <p:sp>
         <p:nvSpPr>
-          <p:cNvPr id="2" name="Shape 2"/>
+          <p:cNvPr id="2" name="タイトルテキスト"/>
           <p:cNvSpPr/>
           <p:nvPr>
             <p:ph type="title"/>
@@ -2127,7 +2128,7 @@
       </p:sp>
       <p:sp>
         <p:nvSpPr>
-          <p:cNvPr id="3" name="Shape 3"/>
+          <p:cNvPr id="3" name="本文レベル1…"/>
           <p:cNvSpPr/>
           <p:nvPr>
             <p:ph type="body" idx="1"/>
@@ -2182,14 +2183,14 @@
           <a:p>
             <a:pPr lvl="4"/>
             <a:r>
-              <a:t>本文レベル 5</a:t>
+              <a:t>本文レベル5</a:t>
             </a:r>
           </a:p>
         </p:txBody>
       </p:sp>
       <p:sp>
         <p:nvSpPr>
-          <p:cNvPr id="4" name="Shape 4"/>
+          <p:cNvPr id="4" name="スライド番号"/>
           <p:cNvSpPr/>
           <p:nvPr>
             <p:ph type="sldNum" sz="quarter" idx="2"/>
@@ -3063,7 +3064,7 @@
       </p:grpSpPr>
       <p:sp>
         <p:nvSpPr>
-          <p:cNvPr id="119" name="Shape 119"/>
+          <p:cNvPr id="119" name="Scalaの文字列処理"/>
           <p:cNvSpPr/>
           <p:nvPr>
             <p:ph type="ctrTitle"/>
@@ -3099,7 +3100,7 @@
       </p:sp>
       <p:sp>
         <p:nvSpPr>
-          <p:cNvPr id="120" name="Shape 120"/>
+          <p:cNvPr id="120" name="Day 4 Stringの文字コード変換と数値型との相互変換"/>
           <p:cNvSpPr/>
           <p:nvPr>
             <p:ph type="subTitle" sz="quarter" idx="1"/>
@@ -3172,7 +3173,7 @@
       </p:grpSpPr>
       <p:sp>
         <p:nvSpPr>
-          <p:cNvPr id="148" name="Shape 148"/>
+          <p:cNvPr id="148" name="文字とN進数表記での…"/>
           <p:cNvSpPr/>
           <p:nvPr>
             <p:ph type="title"/>
@@ -3222,7 +3223,7 @@
       </p:sp>
       <p:sp>
         <p:nvSpPr>
-          <p:cNvPr id="149" name="Shape 149"/>
+          <p:cNvPr id="149" name="Character.numericValueは文字のN進数表記での値を取得（例：’G’は16）…"/>
           <p:cNvSpPr/>
           <p:nvPr>
             <p:ph type="body" idx="1"/>
@@ -3286,7 +3287,7 @@
   <p:clrMapOvr>
     <a:masterClrMapping/>
   </p:clrMapOvr>
-  <p:transition xmlns:p14="http://schemas.microsoft.com/office/powerpoint/2010/main" spd="med" advClick="1" p14:dur="1000"/>
+  <p:transition xmlns:p14="http://schemas.microsoft.com/office/powerpoint/2010/main" spd="med" advClick="1"/>
 </p:sld>
 </file>
 
@@ -3309,7 +3310,7 @@
       </p:grpSpPr>
       <p:sp>
         <p:nvSpPr>
-          <p:cNvPr id="151" name="Shape 151"/>
+          <p:cNvPr id="151" name="Pimp My Libraryパターン"/>
           <p:cNvSpPr/>
           <p:nvPr>
             <p:ph type="title"/>
@@ -3323,8 +3324,8 @@
         <p:txBody>
           <a:bodyPr/>
           <a:lstStyle>
-            <a:lvl1pPr defTabSz="531622">
-              <a:defRPr sz="7280">
+            <a:lvl1pPr defTabSz="525779">
+              <a:defRPr sz="7200">
                 <a:latin typeface="ヒラギノ丸ゴ ProN"/>
                 <a:ea typeface="ヒラギノ丸ゴ ProN"/>
                 <a:cs typeface="ヒラギノ丸ゴ ProN"/>
@@ -3335,14 +3336,14 @@
           <a:p>
             <a:pPr/>
             <a:r>
-              <a:t>Pimp my Libraryパターン</a:t>
+              <a:t>Pimp My Libraryパターン</a:t>
             </a:r>
           </a:p>
         </p:txBody>
       </p:sp>
       <p:sp>
         <p:nvSpPr>
-          <p:cNvPr id="152" name="Shape 152"/>
+          <p:cNvPr id="152" name="object FloatUtils {…"/>
           <p:cNvSpPr/>
           <p:nvPr>
             <p:ph type="body" idx="1"/>
@@ -3378,7 +3379,7 @@
               </a:defRPr>
             </a:pPr>
             <a:r>
-              <a:t>object IntUtils {</a:t>
+              <a:t>object FloatUtils {</a:t>
             </a:r>
           </a:p>
           <a:p>
@@ -3399,7 +3400,7 @@
               </a:defRPr>
             </a:pPr>
             <a:r>
-              <a:t>  implicit def intToIntUtils(repr: Int): IntUtils = {</a:t>
+              <a:t>  implicit def floatToFloatUtils(repr: Float): FloatUtils = {</a:t>
             </a:r>
           </a:p>
           <a:p>
@@ -3420,7 +3421,7 @@
               </a:defRPr>
             </a:pPr>
             <a:r>
-              <a:t>    new IntUtils(repr)</a:t>
+              <a:t>    new FloatUtils(repr)</a:t>
             </a:r>
           </a:p>
           <a:p>
@@ -3483,7 +3484,7 @@
               </a:defRPr>
             </a:pPr>
             <a:r>
-              <a:t>class IntUtils(repr: Int) {</a:t>
+              <a:t>class FloatUtils(repr: Float) {</a:t>
             </a:r>
           </a:p>
           <a:p>
@@ -3525,7 +3526,7 @@
               </a:defRPr>
             </a:pPr>
             <a:r>
-              <a:t>    java.lang.Integer.toHexString(repr)</a:t>
+              <a:t>    java.lang.Float.toHexString(repr)</a:t>
             </a:r>
           </a:p>
           <a:p>
@@ -3577,7 +3578,193 @@
   <p:clrMapOvr>
     <a:masterClrMapping/>
   </p:clrMapOvr>
-  <p:transition xmlns:p14="http://schemas.microsoft.com/office/powerpoint/2010/main" spd="med" advClick="1" p14:dur="1000"/>
+  <p:transition xmlns:p14="http://schemas.microsoft.com/office/powerpoint/2010/main" spd="med" advClick="1"/>
+</p:sld>
+</file>
+
+<file path=ppt/slides/slide12.xml><?xml version="1.0" encoding="utf-8"?>
+<p:sld xmlns:a="http://schemas.openxmlformats.org/drawingml/2006/main" xmlns:r="http://schemas.openxmlformats.org/officeDocument/2006/relationships" xmlns:p="http://schemas.openxmlformats.org/presentationml/2006/main" showMasterSp="1" showMasterPhAnim="1">
+  <p:cSld>
+    <p:spTree>
+      <p:nvGrpSpPr>
+        <p:cNvPr id="1" name=""/>
+        <p:cNvGrpSpPr/>
+        <p:nvPr/>
+      </p:nvGrpSpPr>
+      <p:grpSpPr>
+        <a:xfrm>
+          <a:off x="0" y="0"/>
+          <a:ext cx="0" cy="0"/>
+          <a:chOff x="0" y="0"/>
+          <a:chExt cx="0" cy="0"/>
+        </a:xfrm>
+      </p:grpSpPr>
+      <p:sp>
+        <p:nvSpPr>
+          <p:cNvPr id="154" name="Enrich My Libraryパターン"/>
+          <p:cNvSpPr/>
+          <p:nvPr>
+            <p:ph type="title"/>
+          </p:nvPr>
+        </p:nvSpPr>
+        <p:spPr>
+          <a:prstGeom prst="rect">
+            <a:avLst/>
+          </a:prstGeom>
+        </p:spPr>
+        <p:txBody>
+          <a:bodyPr/>
+          <a:lstStyle>
+            <a:lvl1pPr defTabSz="502412">
+              <a:defRPr sz="6880">
+                <a:latin typeface="ヒラギノ丸ゴ ProN"/>
+                <a:ea typeface="ヒラギノ丸ゴ ProN"/>
+                <a:cs typeface="ヒラギノ丸ゴ ProN"/>
+                <a:sym typeface="ヒラギノ丸ゴ ProN"/>
+              </a:defRPr>
+            </a:lvl1pPr>
+          </a:lstStyle>
+          <a:p>
+            <a:pPr/>
+            <a:r>
+              <a:t>Enrich My Libraryパターン</a:t>
+            </a:r>
+          </a:p>
+        </p:txBody>
+      </p:sp>
+      <p:sp>
+        <p:nvSpPr>
+          <p:cNvPr id="155" name="implicit class FloatUtils(repr: Float) {…"/>
+          <p:cNvSpPr/>
+          <p:nvPr>
+            <p:ph type="body" idx="1"/>
+          </p:nvPr>
+        </p:nvSpPr>
+        <p:spPr>
+          <a:xfrm>
+            <a:off x="952500" y="2603500"/>
+            <a:ext cx="10945012" cy="7012683"/>
+          </a:xfrm>
+          <a:prstGeom prst="rect">
+            <a:avLst/>
+          </a:prstGeom>
+        </p:spPr>
+        <p:txBody>
+          <a:bodyPr/>
+          <a:lstStyle/>
+          <a:p>
+            <a:pPr marL="0" indent="0" defTabSz="467359">
+              <a:spcBef>
+                <a:spcPts val="3300"/>
+              </a:spcBef>
+              <a:buSzTx/>
+              <a:buNone/>
+              <a:defRPr sz="4800">
+                <a:solidFill>
+                  <a:srgbClr val="000000"/>
+                </a:solidFill>
+                <a:latin typeface="ヒラギノ丸ゴ ProN"/>
+                <a:ea typeface="ヒラギノ丸ゴ ProN"/>
+                <a:cs typeface="ヒラギノ丸ゴ ProN"/>
+                <a:sym typeface="ヒラギノ丸ゴ ProN"/>
+              </a:defRPr>
+            </a:pPr>
+            <a:r>
+              <a:t>implicit class FloatUtils(repr: Float) {</a:t>
+            </a:r>
+          </a:p>
+          <a:p>
+            <a:pPr marL="0" indent="0" defTabSz="467359">
+              <a:spcBef>
+                <a:spcPts val="3300"/>
+              </a:spcBef>
+              <a:buSzTx/>
+              <a:buNone/>
+              <a:defRPr sz="4800">
+                <a:solidFill>
+                  <a:srgbClr val="000000"/>
+                </a:solidFill>
+                <a:latin typeface="ヒラギノ丸ゴ ProN"/>
+                <a:ea typeface="ヒラギノ丸ゴ ProN"/>
+                <a:cs typeface="ヒラギノ丸ゴ ProN"/>
+                <a:sym typeface="ヒラギノ丸ゴ ProN"/>
+              </a:defRPr>
+            </a:pPr>
+            <a:r>
+              <a:t>  def toHexString: String = {</a:t>
+            </a:r>
+          </a:p>
+          <a:p>
+            <a:pPr marL="0" indent="0" defTabSz="467359">
+              <a:spcBef>
+                <a:spcPts val="3300"/>
+              </a:spcBef>
+              <a:buSzTx/>
+              <a:buNone/>
+              <a:defRPr sz="4800">
+                <a:solidFill>
+                  <a:srgbClr val="000000"/>
+                </a:solidFill>
+                <a:latin typeface="ヒラギノ丸ゴ ProN"/>
+                <a:ea typeface="ヒラギノ丸ゴ ProN"/>
+                <a:cs typeface="ヒラギノ丸ゴ ProN"/>
+                <a:sym typeface="ヒラギノ丸ゴ ProN"/>
+              </a:defRPr>
+            </a:pPr>
+            <a:r>
+              <a:t>    java.lang.Float.toHexString(repr)</a:t>
+            </a:r>
+          </a:p>
+          <a:p>
+            <a:pPr marL="0" indent="0" defTabSz="467359">
+              <a:spcBef>
+                <a:spcPts val="3300"/>
+              </a:spcBef>
+              <a:buSzTx/>
+              <a:buNone/>
+              <a:defRPr sz="4800">
+                <a:solidFill>
+                  <a:srgbClr val="000000"/>
+                </a:solidFill>
+                <a:latin typeface="ヒラギノ丸ゴ ProN"/>
+                <a:ea typeface="ヒラギノ丸ゴ ProN"/>
+                <a:cs typeface="ヒラギノ丸ゴ ProN"/>
+                <a:sym typeface="ヒラギノ丸ゴ ProN"/>
+              </a:defRPr>
+            </a:pPr>
+            <a:r>
+              <a:t>  }</a:t>
+            </a:r>
+          </a:p>
+          <a:p>
+            <a:pPr marL="0" indent="0" defTabSz="467359">
+              <a:spcBef>
+                <a:spcPts val="3300"/>
+              </a:spcBef>
+              <a:buSzTx/>
+              <a:buNone/>
+              <a:defRPr sz="4800">
+                <a:solidFill>
+                  <a:srgbClr val="000000"/>
+                </a:solidFill>
+                <a:latin typeface="ヒラギノ丸ゴ ProN"/>
+                <a:ea typeface="ヒラギノ丸ゴ ProN"/>
+                <a:cs typeface="ヒラギノ丸ゴ ProN"/>
+                <a:sym typeface="ヒラギノ丸ゴ ProN"/>
+              </a:defRPr>
+            </a:pPr>
+            <a:r>
+              <a:t>}</a:t>
+            </a:r>
+          </a:p>
+        </p:txBody>
+      </p:sp>
+    </p:spTree>
+  </p:cSld>
+  <p:clrMapOvr>
+    <a:masterClrMapping/>
+  </p:clrMapOvr>
+  <p:transition xmlns:p14="http://schemas.microsoft.com/office/powerpoint/2010/main" spd="med" advClick="1"/>
 </p:sld>
 </file>
 
@@ -3611,7 +3798,7 @@
       </p:grpSpPr>
       <p:sp>
         <p:nvSpPr>
-          <p:cNvPr id="122" name="Shape 122"/>
+          <p:cNvPr id="122" name="Charset(文字コード)の…"/>
           <p:cNvSpPr/>
           <p:nvPr>
             <p:ph type="title"/>
@@ -3661,7 +3848,7 @@
       </p:sp>
       <p:sp>
         <p:nvSpPr>
-          <p:cNvPr id="123" name="Shape 123"/>
+          <p:cNvPr id="123" name="正式名称「windows-31j」のエイリアスは「MS932」など…"/>
           <p:cNvSpPr/>
           <p:nvPr>
             <p:ph type="body" idx="1"/>
@@ -3708,7 +3895,7 @@
   <p:clrMapOvr>
     <a:masterClrMapping/>
   </p:clrMapOvr>
-  <p:transition xmlns:p14="http://schemas.microsoft.com/office/powerpoint/2010/main" spd="med" advClick="1" p14:dur="1000"/>
+  <p:transition xmlns:p14="http://schemas.microsoft.com/office/powerpoint/2010/main" spd="med" advClick="1"/>
 </p:sld>
 </file>
 
@@ -3742,7 +3929,7 @@
       </p:grpSpPr>
       <p:sp>
         <p:nvSpPr>
-          <p:cNvPr id="125" name="Shape 125"/>
+          <p:cNvPr id="125" name="Charsetチートシート"/>
           <p:cNvSpPr/>
           <p:nvPr>
             <p:ph type="title"/>
@@ -3778,7 +3965,7 @@
       </p:sp>
       <p:sp>
         <p:nvSpPr>
-          <p:cNvPr id="126" name="Shape 126"/>
+          <p:cNvPr id="126" name="デフォルト文字コード取得 Charset.defaultCharset()…"/>
           <p:cNvSpPr/>
           <p:nvPr>
             <p:ph type="body" idx="1"/>
@@ -3895,7 +4082,7 @@
   <p:clrMapOvr>
     <a:masterClrMapping/>
   </p:clrMapOvr>
-  <p:transition xmlns:p14="http://schemas.microsoft.com/office/powerpoint/2010/main" spd="med" advClick="1" p14:dur="1000"/>
+  <p:transition xmlns:p14="http://schemas.microsoft.com/office/powerpoint/2010/main" spd="med" advClick="1"/>
 </p:sld>
 </file>
 
@@ -3928,7 +4115,7 @@
       </p:grpSpPr>
       <p:sp>
         <p:nvSpPr>
-          <p:cNvPr id="128" name="Shape 128"/>
+          <p:cNvPr id="128" name="文字コードの変換"/>
           <p:cNvSpPr/>
           <p:nvPr>
             <p:ph type="title"/>
@@ -3964,7 +4151,7 @@
       </p:sp>
       <p:sp>
         <p:nvSpPr>
-          <p:cNvPr id="129" name="Shape 129"/>
+          <p:cNvPr id="129" name="Stringのコンストラクタで文字コード変換可能…"/>
           <p:cNvSpPr/>
           <p:nvPr>
             <p:ph type="body" idx="1"/>
@@ -4075,7 +4262,7 @@
   <p:clrMapOvr>
     <a:masterClrMapping/>
   </p:clrMapOvr>
-  <p:transition xmlns:p14="http://schemas.microsoft.com/office/powerpoint/2010/main" spd="med" advClick="1" p14:dur="1000"/>
+  <p:transition xmlns:p14="http://schemas.microsoft.com/office/powerpoint/2010/main" spd="med" advClick="1"/>
 </p:sld>
 </file>
 
@@ -4105,7 +4292,7 @@
       </p:grpSpPr>
       <p:sp>
         <p:nvSpPr>
-          <p:cNvPr id="131" name="Shape 131"/>
+          <p:cNvPr id="131" name="Javaのプリミティブ型とStringとの相互変換は面倒"/>
           <p:cNvSpPr/>
           <p:nvPr>
             <p:ph type="title"/>
@@ -4141,7 +4328,7 @@
       </p:sp>
       <p:sp>
         <p:nvSpPr>
-          <p:cNvPr id="132" name="Shape 132"/>
+          <p:cNvPr id="132" name="Javaは次のようなことを考慮するため面倒臭いですが、Scalaをやる人は読まなくていいです。…"/>
           <p:cNvSpPr/>
           <p:nvPr>
             <p:ph type="body" idx="1"/>
@@ -4312,7 +4499,7 @@
   <p:clrMapOvr>
     <a:masterClrMapping/>
   </p:clrMapOvr>
-  <p:transition xmlns:p14="http://schemas.microsoft.com/office/powerpoint/2010/main" spd="med" advClick="1" p14:dur="1000"/>
+  <p:transition xmlns:p14="http://schemas.microsoft.com/office/powerpoint/2010/main" spd="med" advClick="1"/>
 </p:sld>
 </file>
 
@@ -4345,7 +4532,7 @@
       </p:grpSpPr>
       <p:sp>
         <p:nvSpPr>
-          <p:cNvPr id="134" name="Shape 134"/>
+          <p:cNvPr id="134" name="Scalaの場合、…"/>
           <p:cNvSpPr/>
           <p:nvPr>
             <p:ph type="title"/>
@@ -4395,7 +4582,7 @@
       </p:sp>
       <p:sp>
         <p:nvSpPr>
-          <p:cNvPr id="135" name="Shape 135"/>
+          <p:cNvPr id="135" name="Intなど数値からStringへの変換はtoStringメソッド…"/>
           <p:cNvSpPr/>
           <p:nvPr>
             <p:ph type="body" idx="1"/>
@@ -4446,7 +4633,7 @@
   <p:clrMapOvr>
     <a:masterClrMapping/>
   </p:clrMapOvr>
-  <p:transition xmlns:p14="http://schemas.microsoft.com/office/powerpoint/2010/main" spd="med" advClick="1" p14:dur="1000"/>
+  <p:transition xmlns:p14="http://schemas.microsoft.com/office/powerpoint/2010/main" spd="med" advClick="1"/>
 </p:sld>
 </file>
 
@@ -4480,7 +4667,7 @@
       </p:grpSpPr>
       <p:sp>
         <p:nvSpPr>
-          <p:cNvPr id="137" name="Shape 137"/>
+          <p:cNvPr id="137" name="java.lang.Boolean.…"/>
           <p:cNvSpPr/>
           <p:nvPr>
             <p:ph type="title"/>
@@ -4530,7 +4717,7 @@
       </p:sp>
       <p:sp>
         <p:nvSpPr>
-          <p:cNvPr id="138" name="Shape 138"/>
+          <p:cNvPr id="138" name="Javaのboolean型のラッパークラスのBooleanのparseBooleanメソッドは、文字のケース（大文字、小文字など）を無視して”true”の場合はtrue、それ以外は全てfalseを返す。…"/>
           <p:cNvSpPr/>
           <p:nvPr>
             <p:ph type="body" idx="1"/>
@@ -4585,7 +4772,7 @@
   <p:clrMapOvr>
     <a:masterClrMapping/>
   </p:clrMapOvr>
-  <p:transition xmlns:p14="http://schemas.microsoft.com/office/powerpoint/2010/main" spd="med" advClick="1" p14:dur="1000"/>
+  <p:transition xmlns:p14="http://schemas.microsoft.com/office/powerpoint/2010/main" spd="med" advClick="1"/>
 </p:sld>
 </file>
 
@@ -4619,7 +4806,7 @@
       </p:grpSpPr>
       <p:sp>
         <p:nvSpPr>
-          <p:cNvPr id="140" name="Shape 140"/>
+          <p:cNvPr id="140" name="特定の進数表記"/>
           <p:cNvSpPr/>
           <p:nvPr>
             <p:ph type="title"/>
@@ -4655,7 +4842,7 @@
       </p:sp>
       <p:sp>
         <p:nvSpPr>
-          <p:cNvPr id="141" name="Shape 141"/>
+          <p:cNvPr id="141" name="Javaのプリミティブ型のラッパークラスには特定の進数表記に変換するメソッドが用意されている。"/>
           <p:cNvSpPr/>
           <p:nvPr>
             <p:ph type="body" sz="half" idx="1"/>
@@ -4694,7 +4881,7 @@
       </p:sp>
       <p:graphicFrame>
         <p:nvGraphicFramePr>
-          <p:cNvPr id="142" name="Table 142"/>
+          <p:cNvPr id="142" name="表"/>
           <p:cNvGraphicFramePr/>
           <p:nvPr/>
         </p:nvGraphicFramePr>
@@ -5342,7 +5529,7 @@
   <p:clrMapOvr>
     <a:masterClrMapping/>
   </p:clrMapOvr>
-  <p:transition xmlns:p14="http://schemas.microsoft.com/office/powerpoint/2010/main" spd="med" advClick="1" p14:dur="1000"/>
+  <p:transition xmlns:p14="http://schemas.microsoft.com/office/powerpoint/2010/main" spd="med" advClick="1"/>
 </p:sld>
 </file>
 
@@ -5376,7 +5563,7 @@
       </p:grpSpPr>
       <p:sp>
         <p:nvSpPr>
-          <p:cNvPr id="144" name="Shape 144"/>
+          <p:cNvPr id="144" name="任意の進数表記"/>
           <p:cNvSpPr/>
           <p:nvPr>
             <p:ph type="title"/>
@@ -5412,7 +5599,7 @@
       </p:sp>
       <p:sp>
         <p:nvSpPr>
-          <p:cNvPr id="145" name="Shape 145"/>
+          <p:cNvPr id="145" name="Javaのプリミティブ型のラッパークラスのメソッドによる基数（radix）が任意のNであるN進数表記の相互変換"/>
           <p:cNvSpPr/>
           <p:nvPr>
             <p:ph type="body" sz="half" idx="1"/>
@@ -5451,7 +5638,7 @@
       </p:sp>
       <p:graphicFrame>
         <p:nvGraphicFramePr>
-          <p:cNvPr id="146" name="Table 146"/>
+          <p:cNvPr id="146" name="表"/>
           <p:cNvGraphicFramePr/>
           <p:nvPr/>
         </p:nvGraphicFramePr>
@@ -5958,7 +6145,7 @@
   <p:clrMapOvr>
     <a:masterClrMapping/>
   </p:clrMapOvr>
-  <p:transition xmlns:p14="http://schemas.microsoft.com/office/powerpoint/2010/main" spd="med" advClick="1" p14:dur="1000"/>
+  <p:transition xmlns:p14="http://schemas.microsoft.com/office/powerpoint/2010/main" spd="med" advClick="1"/>
 </p:sld>
 </file>
 
